--- a/Final Presentation.pptx
+++ b/Final Presentation.pptx
@@ -112,6 +112,11 @@
       </a:defRPr>
     </a:lvl9pPr>
   </p:defaultTextStyle>
+  <p:extLst>
+    <p:ext uri="{EFAFB233-063F-42B5-8137-9DF3F51BA10A}">
+      <p15:sldGuideLst xmlns:p15="http://schemas.microsoft.com/office/powerpoint/2012/main"/>
+    </p:ext>
+  </p:extLst>
 </p:presentation>
 </file>
 
@@ -284,7 +289,7 @@
           <a:p>
             <a:fld id="{5162D9E2-34B4-423F-8DA3-989503147CCE}" type="datetimeFigureOut">
               <a:rPr lang="en-IN" smtClean="0"/>
-              <a:t>18-04-2020</a:t>
+              <a:t>19-04-2020</a:t>
             </a:fld>
             <a:endParaRPr lang="en-IN"/>
           </a:p>
@@ -614,7 +619,7 @@
           <a:p>
             <a:fld id="{5162D9E2-34B4-423F-8DA3-989503147CCE}" type="datetimeFigureOut">
               <a:rPr lang="en-IN" smtClean="0"/>
-              <a:t>18-04-2020</a:t>
+              <a:t>19-04-2020</a:t>
             </a:fld>
             <a:endParaRPr lang="en-IN"/>
           </a:p>
@@ -794,7 +799,7 @@
           <a:p>
             <a:fld id="{5162D9E2-34B4-423F-8DA3-989503147CCE}" type="datetimeFigureOut">
               <a:rPr lang="en-IN" smtClean="0"/>
-              <a:t>18-04-2020</a:t>
+              <a:t>19-04-2020</a:t>
             </a:fld>
             <a:endParaRPr lang="en-IN"/>
           </a:p>
@@ -964,7 +969,7 @@
           <a:p>
             <a:fld id="{5162D9E2-34B4-423F-8DA3-989503147CCE}" type="datetimeFigureOut">
               <a:rPr lang="en-IN" smtClean="0"/>
-              <a:t>18-04-2020</a:t>
+              <a:t>19-04-2020</a:t>
             </a:fld>
             <a:endParaRPr lang="en-IN"/>
           </a:p>
@@ -1241,7 +1246,7 @@
           <a:p>
             <a:fld id="{5162D9E2-34B4-423F-8DA3-989503147CCE}" type="datetimeFigureOut">
               <a:rPr lang="en-IN" smtClean="0"/>
-              <a:t>18-04-2020</a:t>
+              <a:t>19-04-2020</a:t>
             </a:fld>
             <a:endParaRPr lang="en-IN"/>
           </a:p>
@@ -1635,7 +1640,7 @@
           <a:p>
             <a:fld id="{5162D9E2-34B4-423F-8DA3-989503147CCE}" type="datetimeFigureOut">
               <a:rPr lang="en-IN" smtClean="0"/>
-              <a:t>18-04-2020</a:t>
+              <a:t>19-04-2020</a:t>
             </a:fld>
             <a:endParaRPr lang="en-IN"/>
           </a:p>
@@ -2112,7 +2117,7 @@
           <a:p>
             <a:fld id="{5162D9E2-34B4-423F-8DA3-989503147CCE}" type="datetimeFigureOut">
               <a:rPr lang="en-IN" smtClean="0"/>
-              <a:t>18-04-2020</a:t>
+              <a:t>19-04-2020</a:t>
             </a:fld>
             <a:endParaRPr lang="en-IN"/>
           </a:p>
@@ -2230,7 +2235,7 @@
           <a:p>
             <a:fld id="{5162D9E2-34B4-423F-8DA3-989503147CCE}" type="datetimeFigureOut">
               <a:rPr lang="en-IN" smtClean="0"/>
-              <a:t>18-04-2020</a:t>
+              <a:t>19-04-2020</a:t>
             </a:fld>
             <a:endParaRPr lang="en-IN"/>
           </a:p>
@@ -2325,7 +2330,7 @@
           <a:p>
             <a:fld id="{5162D9E2-34B4-423F-8DA3-989503147CCE}" type="datetimeFigureOut">
               <a:rPr lang="en-IN" smtClean="0"/>
-              <a:t>18-04-2020</a:t>
+              <a:t>19-04-2020</a:t>
             </a:fld>
             <a:endParaRPr lang="en-IN"/>
           </a:p>
@@ -2671,7 +2676,7 @@
           <a:p>
             <a:fld id="{5162D9E2-34B4-423F-8DA3-989503147CCE}" type="datetimeFigureOut">
               <a:rPr lang="en-IN" smtClean="0"/>
-              <a:t>18-04-2020</a:t>
+              <a:t>19-04-2020</a:t>
             </a:fld>
             <a:endParaRPr lang="en-IN"/>
           </a:p>
@@ -3059,7 +3064,7 @@
           <a:p>
             <a:fld id="{5162D9E2-34B4-423F-8DA3-989503147CCE}" type="datetimeFigureOut">
               <a:rPr lang="en-IN" smtClean="0"/>
-              <a:t>18-04-2020</a:t>
+              <a:t>19-04-2020</a:t>
             </a:fld>
             <a:endParaRPr lang="en-IN"/>
           </a:p>
@@ -3337,7 +3342,7 @@
           <a:p>
             <a:fld id="{5162D9E2-34B4-423F-8DA3-989503147CCE}" type="datetimeFigureOut">
               <a:rPr lang="en-IN" smtClean="0"/>
-              <a:t>18-04-2020</a:t>
+              <a:t>19-04-2020</a:t>
             </a:fld>
             <a:endParaRPr lang="en-IN"/>
           </a:p>
@@ -4474,17 +4479,30 @@
         <p:spPr>
           <a:xfrm>
             <a:off x="723900" y="685800"/>
-            <a:ext cx="3855720" cy="850037"/>
-          </a:xfrm>
-        </p:spPr>
-        <p:txBody>
-          <a:bodyPr/>
+            <a:ext cx="3855720" cy="1782192"/>
+          </a:xfrm>
+        </p:spPr>
+        <p:txBody>
+          <a:bodyPr>
+            <a:normAutofit fontScale="90000"/>
+          </a:bodyPr>
           <a:lstStyle/>
           <a:p>
             <a:r>
               <a:rPr lang="en-IN" dirty="0"/>
               <a:t>OBSERVATION</a:t>
             </a:r>
+            <a:br>
+              <a:rPr lang="en-IN" dirty="0"/>
+            </a:br>
+            <a:r>
+              <a:rPr lang="en-IN" dirty="0"/>
+              <a:t>AND DISCUSSION</a:t>
+            </a:r>
+            <a:br>
+              <a:rPr lang="en-IN" dirty="0"/>
+            </a:br>
+            <a:endParaRPr lang="en-IN" dirty="0"/>
           </a:p>
         </p:txBody>
       </p:sp>
@@ -4535,8 +4553,8 @@
         </p:nvSpPr>
         <p:spPr>
           <a:xfrm>
-            <a:off x="723900" y="1535837"/>
-            <a:ext cx="3855720" cy="4331563"/>
+            <a:off x="723900" y="2352583"/>
+            <a:ext cx="3855720" cy="3514817"/>
           </a:xfrm>
         </p:spPr>
         <p:txBody>
@@ -4547,6 +4565,23 @@
               <a:rPr lang="en-IN" dirty="0"/>
               <a:t>The image shows different Clusters formed with the help of different colours throughout the city.</a:t>
             </a:r>
+          </a:p>
+          <a:p>
+            <a:r>
+              <a:rPr lang="en-IN" dirty="0"/>
+              <a:t>The areas are segmented using K-Means.</a:t>
+            </a:r>
+          </a:p>
+          <a:p>
+            <a:r>
+              <a:rPr lang="en-IN" dirty="0"/>
+              <a:t>Cluster shows similar areas </a:t>
+            </a:r>
+            <a:r>
+              <a:rPr lang="en-IN"/>
+              <a:t>grouped together.</a:t>
+            </a:r>
+            <a:endParaRPr lang="en-IN" dirty="0"/>
           </a:p>
         </p:txBody>
       </p:sp>
